--- a/Presentation and Demo/Presentation.pptx
+++ b/Presentation and Demo/Presentation.pptx
@@ -6,8 +6,7 @@
   </p:sldMasterIdLst>
   <p:sldIdLst>
     <p:sldId id="256" r:id="rId2"/>
-    <p:sldId id="258" r:id="rId3"/>
-    <p:sldId id="257" r:id="rId4"/>
+    <p:sldId id="259" r:id="rId3"/>
   </p:sldIdLst>
   <p:sldSz cx="12192000" cy="6858000"/>
   <p:notesSz cx="6858000" cy="9144000"/>
@@ -3366,7 +3365,7 @@
           <a:lstStyle/>
           <a:p>
             <a:r>
-              <a:rPr lang="en-US" dirty="0"/>
+              <a:rPr lang="en-US" b="1" dirty="0"/>
               <a:t>MSc Data Science</a:t>
             </a:r>
           </a:p>
@@ -3594,37 +3593,7 @@
     </p:spTree>
     <p:extLst>
       <p:ext uri="{BB962C8B-B14F-4D97-AF65-F5344CB8AC3E}">
-        <p14:creationId xmlns:p14="http://schemas.microsoft.com/office/powerpoint/2010/main" val="3211859542"/>
-      </p:ext>
-    </p:extLst>
-  </p:cSld>
-  <p:clrMapOvr>
-    <a:masterClrMapping/>
-  </p:clrMapOvr>
-</p:sld>
-</file>
-
-<file path=ppt/slides/slide3.xml><?xml version="1.0" encoding="utf-8"?>
-<p:sld xmlns:a="http://schemas.openxmlformats.org/drawingml/2006/main" xmlns:r="http://schemas.openxmlformats.org/officeDocument/2006/relationships" xmlns:p="http://schemas.openxmlformats.org/presentationml/2006/main">
-  <p:cSld>
-    <p:spTree>
-      <p:nvGrpSpPr>
-        <p:cNvPr id="1" name=""/>
-        <p:cNvGrpSpPr/>
-        <p:nvPr/>
-      </p:nvGrpSpPr>
-      <p:grpSpPr>
-        <a:xfrm>
-          <a:off x="0" y="0"/>
-          <a:ext cx="0" cy="0"/>
-          <a:chOff x="0" y="0"/>
-          <a:chExt cx="0" cy="0"/>
-        </a:xfrm>
-      </p:grpSpPr>
-    </p:spTree>
-    <p:extLst>
-      <p:ext uri="{BB962C8B-B14F-4D97-AF65-F5344CB8AC3E}">
-        <p14:creationId xmlns:p14="http://schemas.microsoft.com/office/powerpoint/2010/main" val="4268441471"/>
+        <p14:creationId xmlns:p14="http://schemas.microsoft.com/office/powerpoint/2010/main" val="4183797060"/>
       </p:ext>
     </p:extLst>
   </p:cSld>
@@ -3930,27 +3899,26 @@
 </file>
 
 <file path=ppt/webextensions/webextension1.xml><?xml version="1.0" encoding="utf-8"?>
-<we:webextension xmlns:we="http://schemas.microsoft.com/office/webextensions/webextension/2010/11" id="{0faa4761-6337-4595-9865-86530eca7e36}">
+<we:webextension xmlns:we="http://schemas.microsoft.com/office/webextensions/webextension/2010/11" id="{e02a6393-059b-492f-a2cc-61bf73fffdbf}">
   <we:reference id="WA200003233" version="2.0.0.3" store="en-US" storeType="OMEX"/>
   <we:alternateReferences/>
   <we:properties>
     <we:property name="Microsoft.Office.CampaignId" value="&quot;none&quot;"/>
     <we:property name="backgroundColor" value="&quot;#FFFFFF&quot;"/>
-    <we:property name="bookmark" value="&quot;H4sIAAAAAAAAA+1Y30/bMBD+Vyq/7CWanKRpWt4gFGkSmhBM7GHiwbGvweDEkeMAHcr/vrPTwjoKnSbYytSX1r6c79f35c7tPRGyqRWbf2YlkD1yoPV1ycz1ICQBqVZlMZ1MonwYjhkdpiJMaUoFaunaSl01ZO+eWGYKsOeyaZlyBlH47SIgTKkTVrjdjKkGAlKDaXTFlPwOvTI+sqaFLiBwVyttmDN5ZpkFZ/YG1XGPoYQfY/TIuJU3cAbc9tJTqLWxy31Amn7lQ1p95ox5h5muLJMVGnaySQKCQZSPchYnkEKSxt7xTCq7UMnn07vaYD6Y5bx2ZdkXN6zi4EqAQRtomoWHTKu29KvpivxMt4bDKcz8o8pKO0czZ1xbxSoxyBSwCsTgkFlGOizFidFYKK+EMsi0AC+/1LeZAZQIske7C5Q0sirUopSPOX7p42yU5GAcUPkVlsFnUwIC5RYFYA3cIcyr7v1JaB5zX12dL4GIAnJkdOmPLZjToIcNSQWkDwmDDsjXSzDgDSAWQi7h+fRL4ZqFym+UtN/4UJ4vH3o+Z6r11ETDx9L2+d/3YlSOKE2OneZFhx9d588IF//TIpXOKH6D58Zacx8O8YTQt9UH0nW9xSWDMcKrn6j6ENdbU8glFZBIpMNxEok8Tkc0hCjiabqR9BlaKbSRHJP8C7yfIjuL+QAZ0rQlknzgXmRtXv01eP/wPl+pHu1RyPJ0NpqxMaXDnAkW52xL0faA7RB+uTo9qjwWIaU0H0VRMpmIcCiS5M8H135RGCjYshVP3xrvvsJOeNRWiwFNnwIf/Afdp5aQXTJjV9iJh7QRYA7mHp5DaZbXFJyv022Exo3CtdRfIDP/V+2NzXg45iMBw0kYxpwnoRhuW3vLNJZSqoG/MO3624by9LjGcZKnOLIiypOUxvijI9nWS8ozYyt4t313IyEV/oDKVNsgEiD6ODNd5nrX6V55zEM6SsQQ5zzlHK/r6Rhyuhvz29KX/Wuwo/yrdn5P+3VzTre2qRmHE7S2Zt4hWdCbA+7Fmef/h3oYd133Aw13kFUHEwAA&quot;"/>
-    <we:property name="creatorSessionId" value="&quot;0ee25666-0551-4e73-b8bf-9ed663526425&quot;"/>
+    <we:property name="bookmark" value="&quot;H4sIAAAAAAAAA+1Yy27bMBD8FYOXXISCkizJzi1R3FNRBHHRS5HDilwrTGhRoKgkbuB/75Jy2rrNAy2S1i3si6UluY+Z1Y7sOyZV12pYvYclskN2bMzVEuzVKGYRa7Zt+ULGXOQFynExqWTFgQvaZVqnTNOxwzvmwNboPqquB+0dkvHTecRA61Oo/d0CdIcRa9F2pgGtPuOwmZac7XEdMbxttbHgXc4dOPRur2k73VMq8ZuUIoJw6hrnKNxgPcPWWHd/H7FuuAopba95ZyFgaRoHqiHH3jbNUAImVV5BmmGBWZGGwAul3WZLtZrdtpbqoSpXrYflSF5DI1CykLTFrttEKI3ul+FqtmWfm94KPMNFWGqccityMxfGaWjkqNQIDcrRCThga4Li1BoCKmwiG5ZGYrBfmJvSIlkkO+Trc7J0qqn1BspvNX4Y8uy0Emg9UdUlwRCqWSIR5S+kD+aLaodgCod1H4u+MdR8x94pwmHw/RF0790enNAJaW6aA0qKPuc+tYEZSvzyOwrCiS5EeV1oKAVaS2QxnmSJrNIi5zEmiSiKZ8ksyUttrBJU5B/gc0adV69G1IVdvyTyRr5Bjd3T+wtIDWznMVTFIl/AhPNxBRLSCnaU7UDYnuGn0RlYFSlJDedVniTZdCrjscyy3x/IR3VtsYZ7BZi9Nt8Dwt74tm82wsN/Jj76D6ZPq7C8AOu2upMOGSvRHq8CPSfK3stvEv1QxY5Qsz5/pPU3zKz+1niDhYgnIpc4nsZxKkQWy/GujbfSEJRKj8Ir5H6+PQPPwGuaZlVBkpVwkRU8jQue7epLyiOyFf2zc/fZhtT0w6DUfUdMoBzyLM2yMvtJ98Iyj0WeyTHpPBeCXteLCVZ8L/O7MpfDY7Bv+Red/KHtH9I507uuBYGn5O0BvaNmoWieuCc1L/y/8lXu1usvZdzfE98RAAA=&quot;"/>
+    <we:property name="creatorSessionId" value="&quot;465036cf-72a5-4d70-9298-078152fb67a8&quot;"/>
     <we:property name="creatorTenantId" value="&quot;51a0a69c-0e4f-4b3d-b642-12e013198635&quot;"/>
     <we:property name="creatorUserId" value="&quot;10032001C948BB18&quot;"/>
     <we:property name="datasetId" value="&quot;9afd7e65-bf59-4fd9-9dca-20f442c54dcf&quot;"/>
     <we:property name="embedUrl" value="&quot;/reportEmbed?reportId=e23d31f6-0c4e-4258-91eb-3c18077d5ca4&amp;config=eyJjbHVzdGVyVXJsIjoiaHR0cHM6Ly9XQUJJLU5PUlRILUVVUk9QRS1yZWRpcmVjdC5hbmFseXNpcy53aW5kb3dzLm5ldCIsImVtYmVkRmVhdHVyZXMiOnsibW9kZXJuRW1iZWQiOnRydWUsInVzYWdlTWV0cmljc1ZOZXh0Ijp0cnVlfX0%3D&amp;disableSensitivityBanner=true&quot;"/>
-    <we:property name="initialStateBookmark" value="&quot;H4sIAAAAAAAAA+1YW0/bMBT+K5VfeImmXJqm5a2EIk1cRSf2MKHJsU+DwY0jxwE61P++Yycd6yh0mmArU19a++T43L4v57h9IFxUpaSzEzoFskv2lLqZUn3TCYhHilZ2enp4PDw//HoyPB6hWJVGqKIiuw/EUJ2DuRBVTaW1gMIvlx6hUp7R3O4mVFbgkRJ0pQoqxTdolPGR0TXMPQL3pVSaWpNjQw1Ys7eojnv0HXyI0CNlRtzCGJhppOdQKm0We49UzcqFtPzMGnMOU1UYKgo0bGWDGDiFMOtlNIohgTiJnOOJkKZVyWaj+1JjPpjlrLR1GPJbWjDgxAWtoapaD6mS9dStRkvysao1g3OYuEeFEWaGZsZMGUkL3kkl0AJ4Z58aSuZYijOtsFBOCWWQKg5OfqXuUg0o4WTXn1+ipBJFLttSPub4qYmzkoKBtkBl11gGl80UECi7yAFrYA9hXmXjT0D1mPvy6mIBROiRA62m7lhLlQo9rEnKI01IGLRHPl+BBmcAseBiAc/HXwpXtSq/UdJm40J5vnzo+YLK2lETDR8J0+T/0IhROfT9+MhqXs7xYz53Z7iN/2mRptYofoPjxkpzO/t4gqu7YofM543FBYMxwuufqPojrremkE3KIyFPuv045FmU9PwAwpAlyVrSp2glV1owTPIv8H6E7MxnHWRIVU+R5B37Iiv96q/B+4f3+Uo1aPcCmiWT3oT2fb+bUU6jjG4o2g6wLcIvV6dBlUU88H0/64VhPBjwoMvj+M8H1zDPNeR00YpHb413U2ErPKiLdkD7T4H3/oPuUwpIr6g2S+zEQ0pz0HszB8++0ItrCs7X0SZCY0fhSuq3yMz+VXujExb0WY9DdxAEEWNxwLub1t5ShaUUsuMuTNv+tqY8Da5RFGcJjqzQZ3HiR0Hix5t6SXlmbHnvtu+uJaTEH1CprCtEAngTZ6qmmdp2ulce85D0Yt7FOe8zhtf1pA+Zvx3zm9KX3Wuwpfyrdn5H+1VzTtWmKimDM7S2Yt4hWdCbBe7FmWf/bCLOByIpMrluRi702+C+A3Ecd/4nEwAA&quot;"/>
+    <we:property name="initialStateBookmark" value="&quot;H4sIAAAAAAAAA+1YyW7bMBD9FYOXXoRCi2XZuTmKe0mzIC5yKYxiRI4VJrQoUFQSN/C/d0g5bdMmMVokrVvYF0tDcpb3xvNk3TEhm1rB8hgWyPbYvtZXCzBXvYgFrFrbTk4Oj8Znh5+Ox0cTMuvaSl01bO+OWTAl2nPZtKCcBzJ+nAUMlDqF0t3NQTUYsBpNoytQ8jN2m2nJmhZXAcPbWmkDzuXUgkXn9pq20z3Fjt4mFBG4ldc4RW476xnW2tj7+4A13ZVP6eGac+YD5rqyICty7GyjFAVgXAwKSFLMMM0SH3gulV1vKZaT29pQPVTlsnY4jMU1VBwF80kbbJp1hFyrduGvJg/sU90ajmc490uVlXZJbqZcWwWV6OUKoULROwALbEVQnBpNQPlNZMNcC/T2C32TGySLYHvhakaWRlalWkP5rcYPXZ6NkhyNI6q4JBh8NQskotyFcMFcUXUXTGK37mLRN/qa79h7STh0vs9Btc7tmwM6IfRN9YaSos/MpdYxQ4lffkeBP9H4KK8LDaVAa7HI+sM0FkWSDcII45hn2UYyc/JSaiM5FfkH+JxQ55XLHnVh0y6IvJ5rUG129P4CUh3bgwiKbD6YwzAM+wUISArYUrY9YTuGn0enY5UnIgrDsBjEcToaiagv0vT3B/K4LA2WcK8Ak9fmu0PYGd+11Vp4wp+JD/6D6VNLzC/A2AfdSYe0EWj2l56eA2nu5TcOfqhiS6hZzZ5o/TUzy7813mDOoyEfCOyPoijhPI1Ef9vGW64JSql6/plxN982wNPxmiRpkZFkxSFPszCJsjDd1oeUJ2Qr+Gfn7saGVPTHIFdtQ0yg6PLM9aLQu0n3wjKP2SAVfdL5kHN6XM+GWIQ7md+Wuex/BruWf9HJ79v+MZ3TrW1q4HhK3h7RO2oWiuaIe1bz/PsV5oMQlbJQm0TSvXX5Ko+r1RfIJidZABIAAA==&quot;"/>
     <we:property name="isFiltersActionButtonVisible" value="true"/>
-    <we:property name="pageDisplayName" value="&quot;Page 1&quot;"/>
+    <we:property name="pageDisplayName" value="&quot;Dasboard&quot;"/>
     <we:property name="pageName" value="&quot;ReportSection&quot;"/>
-    <we:property name="reportEmbeddedTime" value="&quot;2023-04-18T15:59:10.631Z&quot;"/>
+    <we:property name="reportEmbeddedTime" value="&quot;2023-04-18T16:04:15.282Z&quot;"/>
     <we:property name="reportName" value="&quot;Scotish Council Energy Consumption Dashboard&quot;"/>
     <we:property name="reportState" value="&quot;CONNECTED&quot;"/>
-    <we:property name="reportUrl" value="&quot;/groups/me/reports/e23d31f6-0c4e-4258-91eb-3c18077d5ca4/ReportSection?bookmarkGuid=bc56def8-80b3-48f7-94c0-0c42deb4fc5d&amp;bookmarkUsage=1&amp;ctid=51a0a69c-0e4f-4b3d-b642-12e013198635&amp;fromEntryPoint=export&quot;"/>
-    <we:property name="isFooterCollapsed" value="true"/>
+    <we:property name="reportUrl" value="&quot;/groups/me/reports/e23d31f6-0c4e-4258-91eb-3c18077d5ca4/ReportSection?bookmarkGuid=9aa8aaea-bb4c-4ea2-b0f9-4031db23f39f&amp;bookmarkUsage=1&amp;ctid=51a0a69c-0e4f-4b3d-b642-12e013198635&amp;fromEntryPoint=export&quot;"/>
   </we:properties>
   <we:bindings/>
   <we:snapshot xmlns:r="http://schemas.openxmlformats.org/officeDocument/2006/relationships" r:embed="rId1"/>

--- a/Presentation and Demo/Presentation.pptx
+++ b/Presentation and Demo/Presentation.pptx
@@ -6,7 +6,7 @@
   </p:sldMasterIdLst>
   <p:sldIdLst>
     <p:sldId id="256" r:id="rId2"/>
-    <p:sldId id="259" r:id="rId3"/>
+    <p:sldId id="258" r:id="rId3"/>
   </p:sldIdLst>
   <p:sldSz cx="12192000" cy="6858000"/>
   <p:notesSz cx="6858000" cy="9144000"/>
@@ -3593,7 +3593,7 @@
     </p:spTree>
     <p:extLst>
       <p:ext uri="{BB962C8B-B14F-4D97-AF65-F5344CB8AC3E}">
-        <p14:creationId xmlns:p14="http://schemas.microsoft.com/office/powerpoint/2010/main" val="4183797060"/>
+        <p14:creationId xmlns:p14="http://schemas.microsoft.com/office/powerpoint/2010/main" val="2828128852"/>
       </p:ext>
     </p:extLst>
   </p:cSld>
@@ -3899,26 +3899,26 @@
 </file>
 
 <file path=ppt/webextensions/webextension1.xml><?xml version="1.0" encoding="utf-8"?>
-<we:webextension xmlns:we="http://schemas.microsoft.com/office/webextensions/webextension/2010/11" id="{e02a6393-059b-492f-a2cc-61bf73fffdbf}">
+<we:webextension xmlns:we="http://schemas.microsoft.com/office/webextensions/webextension/2010/11" id="{05e2ecbf-3ef9-4d4d-af09-dbe972c633f2}">
   <we:reference id="WA200003233" version="2.0.0.3" store="en-US" storeType="OMEX"/>
   <we:alternateReferences/>
   <we:properties>
     <we:property name="Microsoft.Office.CampaignId" value="&quot;none&quot;"/>
     <we:property name="backgroundColor" value="&quot;#FFFFFF&quot;"/>
-    <we:property name="bookmark" value="&quot;H4sIAAAAAAAAA+1Yy27bMBD8FYOXXISCkizJzi1R3FNRBHHRS5HDilwrTGhRoKgkbuB/75Jy2rrNAy2S1i3si6UluY+Z1Y7sOyZV12pYvYclskN2bMzVEuzVKGYRa7Zt+ULGXOQFynExqWTFgQvaZVqnTNOxwzvmwNboPqquB+0dkvHTecRA61Oo/d0CdIcRa9F2pgGtPuOwmZac7XEdMbxttbHgXc4dOPRur2k73VMq8ZuUIoJw6hrnKNxgPcPWWHd/H7FuuAopba95ZyFgaRoHqiHH3jbNUAImVV5BmmGBWZGGwAul3WZLtZrdtpbqoSpXrYflSF5DI1CykLTFrttEKI3ul+FqtmWfm94KPMNFWGqccityMxfGaWjkqNQIDcrRCThga4Li1BoCKmwiG5ZGYrBfmJvSIlkkO+Trc7J0qqn1BspvNX4Y8uy0Emg9UdUlwRCqWSIR5S+kD+aLaodgCod1H4u+MdR8x94pwmHw/RF0790enNAJaW6aA0qKPuc+tYEZSvzyOwrCiS5EeV1oKAVaS2QxnmSJrNIi5zEmiSiKZ8ksyUttrBJU5B/gc0adV69G1IVdvyTyRr5Bjd3T+wtIDWznMVTFIl/AhPNxBRLSCnaU7UDYnuGn0RlYFSlJDedVniTZdCrjscyy3x/IR3VtsYZ7BZi9Nt8Dwt74tm82wsN/Jj76D6ZPq7C8AOu2upMOGSvRHq8CPSfK3stvEv1QxY5Qsz5/pPU3zKz+1niDhYgnIpc4nsZxKkQWy/GujbfSEJRKj8Ir5H6+PQPPwGuaZlVBkpVwkRU8jQue7epLyiOyFf2zc/fZhtT0w6DUfUdMoBzyLM2yMvtJ98Iyj0WeyTHpPBeCXteLCVZ8L/O7MpfDY7Bv+Red/KHtH9I507uuBYGn5O0BvaNmoWieuCc1L/y/8lXu1usvZdzfE98RAAA=&quot;"/>
-    <we:property name="creatorSessionId" value="&quot;465036cf-72a5-4d70-9298-078152fb67a8&quot;"/>
+    <we:property name="bookmark" value="&quot;H4sIAAAAAAAAA+1YyW7bMBD9FYOXXIRCiynZuSWKeyqKIC56KXIYkWOFCS0KFJXEDfzvHVJOW7dZ0CJp3cK+WBqSs7w3mif7jknVtRpW72GJ7JAdG3O1BHs1SljEmm1bUmQVl2leQManwCcTGXPaZVqnTNOxwzvmwNboPqquB+0dkvHTecRA61Oo/d0CdIcRa9F2pgGtPuOwmZac7XEdMbxttbHgXc4dOPRur2k73VMqyZuMIoJw6hrnKNxgPcPWWHd/H7FuuAopba95ZyFgaRoHqiHH3jblKAHTKq+oNCyQF1kIvFDabbZUq9lta6keqnLVeliO5DU0AiULSVvsuk2E0uh+Ga5mW/a56a3AM1yEpcYptyI3c2GchkaOSo3QoBydgAO2JihOrSGgwiayYWkkBvuFuSktkkWyw3h9TpZONbXeQPmtxg9Dnp1WAq0nqrokGEI1SySi/IX0wXxR7RBM4bDuY9E3hprv2DtFOAy+P4LuvduDEzohzU1zQEnR59ynNjBDiV9+R0E40YUorwsNpUBrqSzGE57KKivyOME0FUXxLJkleamNVYKK/AN8zqjz6tWIurDrl0TeyDeosXt6fwGpge08gapY5AuYxPG4AglZBTvKdiBsz/DT6AysikwmcRxXeZry6VQmY8n57w/ko7q2WMO9Asxem+8BYW982zcb4Yl/Jj76D6ZPq7C8AOu2upMOGSvRHq8CPSfK3stvGv1QxY5Qsz5/pPU3zKz+1niDhUgmIpc4niZJJgRP5HjXxltpCEqlR+EVcj/fnoFn4DXLeFWQZKWx4EWcJUXMd/Ul5RHZiv7ZuftsQ2r6YVDqviMmUA55lmZZmf2ke2GZxyLnckw6HwtBr+vFBKt4L/O7MpfDY7Bv+Red/KHtH9I507uuBYGn5O0BvaNmoWieuCc1z/+J8lXt1usvZakF0N4RAAA=&quot;"/>
+    <we:property name="creatorSessionId" value="&quot;5fe0a93b-4206-4b2a-a203-2c6f91d1bd0a&quot;"/>
     <we:property name="creatorTenantId" value="&quot;51a0a69c-0e4f-4b3d-b642-12e013198635&quot;"/>
     <we:property name="creatorUserId" value="&quot;10032001C948BB18&quot;"/>
-    <we:property name="datasetId" value="&quot;9afd7e65-bf59-4fd9-9dca-20f442c54dcf&quot;"/>
-    <we:property name="embedUrl" value="&quot;/reportEmbed?reportId=e23d31f6-0c4e-4258-91eb-3c18077d5ca4&amp;config=eyJjbHVzdGVyVXJsIjoiaHR0cHM6Ly9XQUJJLU5PUlRILUVVUk9QRS1yZWRpcmVjdC5hbmFseXNpcy53aW5kb3dzLm5ldCIsImVtYmVkRmVhdHVyZXMiOnsibW9kZXJuRW1iZWQiOnRydWUsInVzYWdlTWV0cmljc1ZOZXh0Ijp0cnVlfX0%3D&amp;disableSensitivityBanner=true&quot;"/>
-    <we:property name="initialStateBookmark" value="&quot;H4sIAAAAAAAAA+1YyW7bMBD9FYOXXoRCi2XZuTmKe0mzIC5yKYxiRI4VJrQoUFQSN/C/d0g5bdMmMVokrVvYF0tDcpb3xvNk3TEhm1rB8hgWyPbYvtZXCzBXvYgFrFrbTk4Oj8Znh5+Ox0cTMuvaSl01bO+OWTAl2nPZtKCcBzJ+nAUMlDqF0t3NQTUYsBpNoytQ8jN2m2nJmhZXAcPbWmkDzuXUgkXn9pq20z3Fjt4mFBG4ldc4RW476xnW2tj7+4A13ZVP6eGac+YD5rqyICty7GyjFAVgXAwKSFLMMM0SH3gulV1vKZaT29pQPVTlsnY4jMU1VBwF80kbbJp1hFyrduGvJg/sU90ajmc490uVlXZJbqZcWwWV6OUKoULROwALbEVQnBpNQPlNZMNcC/T2C32TGySLYHvhakaWRlalWkP5rcYPXZ6NkhyNI6q4JBh8NQskotyFcMFcUXUXTGK37mLRN/qa79h7STh0vs9Btc7tmwM6IfRN9YaSos/MpdYxQ4lffkeBP9H4KK8LDaVAa7HI+sM0FkWSDcII45hn2UYyc/JSaiM5FfkH+JxQ55XLHnVh0y6IvJ5rUG129P4CUh3bgwiKbD6YwzAM+wUISArYUrY9YTuGn0enY5UnIgrDsBjEcToaiagv0vT3B/K4LA2WcK8Ak9fmu0PYGd+11Vp4wp+JD/6D6VNLzC/A2AfdSYe0EWj2l56eA2nu5TcOfqhiS6hZzZ5o/TUzy7813mDOoyEfCOyPoijhPI1Ef9vGW64JSql6/plxN982wNPxmiRpkZFkxSFPszCJsjDd1oeUJ2Qr+Gfn7saGVPTHIFdtQ0yg6PLM9aLQu0n3wjKP2SAVfdL5kHN6XM+GWIQ7md+Wuex/BruWf9HJ79v+MZ3TrW1q4HhK3h7RO2oWiuaIe1bz/PsV5oMQlbJQm0TSvXX5Ko+r1RfIJidZABIAAA==&quot;"/>
+    <we:property name="datasetId" value="&quot;9f0bcb28-b944-457b-b6af-d87129d0229b&quot;"/>
+    <we:property name="embedUrl" value="&quot;/reportEmbed?reportId=b810e249-fe92-405c-b8f7-abd999a77557&amp;config=eyJjbHVzdGVyVXJsIjoiaHR0cHM6Ly9XQUJJLU5PUlRILUVVUk9QRS1yZWRpcmVjdC5hbmFseXNpcy53aW5kb3dzLm5ldCIsImVtYmVkRmVhdHVyZXMiOnsibW9kZXJuRW1iZWQiOnRydWUsInVzYWdlTWV0cmljc1ZOZXh0Ijp0cnVlfX0%3D&amp;disableSensitivityBanner=true&quot;"/>
+    <we:property name="initialStateBookmark" value="&quot;H4sIAAAAAAAAA+1YW0/bMBT+K5VfeImmXJqm5a2EIk1cRSf2MKHJsU+DwY0jxwE61P++Yycd6yh0mmArU19a++T43L4v57h9IFxUpaSzEzoFskv2lLqZUn3TCYhHilZ2enp4PDw//HoyPB6hWJVGqKIiuw/EUJ2DuRBVTaW1gMIvlx6hUp7R3O4mVFbgkRJ0pQoqxTdolPGR0TXMPQL3pVSaWpNjQw1Ys7eojnv0HXyI0CNlRtzCGJhppOdQKm0We49UzcqFtPzMGnMOU1UYKgo0bGWDGDiFMOtlNIohgTiJnOOJkKZVyWaj+1JjPpjlrLR1GPJbWjDgxAWtoapaD6mS9dStRkvysao1g3OYuEeFEWaGZsZMGUkL3kkl0AJ4Z58aSuZYijOtsFBOCWWQKg5OfqXuUg0o4WTXn1+ipBJFLttSPub4qYmzkoKBtkBl11gGl80UECi7yAFrYA9hXmXjT0D1mPvy6mIBROiRA62m7lhLlQo9rEnKI01IGLRHPl+BBmcAseBiAc/HXwpXtSq/UdJm40J5vnzo+YLK2lETDR8J0+T/0IhROfT9+MhqXs7xYz53Z7iN/2mRptYofoPjxkpzO/t4gqu7YofM543FBYMxwuufqPojrremkE3KIyFPuv045FmU9PwAwpAlyVrSp2glV1owTPIv8H6E7MxnHWRIVU+R5B37Iiv96q/B+4f3+Uo1aPcCmiWT3oT2fb+bUU6jjG4o2g6wLcIvV6dBlUU88H0/64VhPBjwoMvj+M8H1zDPNeR00YpHb413U2ErPKiLdkD7T4H3/oPuUwpIr6g2S+zEQ0pz0HszB8++0ItrCs7X0SZCY0fhSuq3yMz+VXujExb0WY9DdxAEEWNxwLub1t5ShaUUsuMuTNv+tqY8Da5RFGcJjqzQZ3HiR0Hix5t6SXlmbHnvtu+uJaTEH1CprCtEAngTZ6qmmdp2ulce85D0Yt7FOe8zhtf1pA+Zvx3zm9KX3Wuwpfyrdn5H+1VzTtWmKimDM7S2Yt4hWdCbBe7FmWf/bCLOByIpMrluRi702+C+A3Ecd/4nEwAA&quot;"/>
     <we:property name="isFiltersActionButtonVisible" value="true"/>
     <we:property name="pageDisplayName" value="&quot;Dasboard&quot;"/>
     <we:property name="pageName" value="&quot;ReportSection&quot;"/>
-    <we:property name="reportEmbeddedTime" value="&quot;2023-04-18T16:04:15.282Z&quot;"/>
-    <we:property name="reportName" value="&quot;Scotish Council Energy Consumption Dashboard&quot;"/>
+    <we:property name="reportEmbeddedTime" value="&quot;2023-04-18T16:10:23.571Z&quot;"/>
+    <we:property name="reportName" value="&quot;Scotish Council Energy Consumption&quot;"/>
     <we:property name="reportState" value="&quot;CONNECTED&quot;"/>
-    <we:property name="reportUrl" value="&quot;/groups/me/reports/e23d31f6-0c4e-4258-91eb-3c18077d5ca4/ReportSection?bookmarkGuid=9aa8aaea-bb4c-4ea2-b0f9-4031db23f39f&amp;bookmarkUsage=1&amp;ctid=51a0a69c-0e4f-4b3d-b642-12e013198635&amp;fromEntryPoint=export&quot;"/>
+    <we:property name="reportUrl" value="&quot;/groups/me/reports/b810e249-fe92-405c-b8f7-abd999a77557/ReportSection?bookmarkGuid=ac67d216-85ea-445e-a026-eb4d318a5431&amp;bookmarkUsage=1&amp;ctid=51a0a69c-0e4f-4b3d-b642-12e013198635&amp;fromEntryPoint=export&quot;"/>
   </we:properties>
   <we:bindings/>
   <we:snapshot xmlns:r="http://schemas.openxmlformats.org/officeDocument/2006/relationships" r:embed="rId1"/>

--- a/Presentation and Demo/Presentation.pptx
+++ b/Presentation and Demo/Presentation.pptx
@@ -3447,8 +3447,8 @@
         </p:nvSpPr>
         <p:spPr>
           <a:xfrm>
-            <a:off x="0" y="351395"/>
-            <a:ext cx="12192000" cy="640515"/>
+            <a:off x="0" y="365245"/>
+            <a:ext cx="12192000" cy="612815"/>
           </a:xfrm>
           <a:prstGeom prst="rect">
             <a:avLst/>
@@ -3502,7 +3502,19 @@
                 <a:ea typeface="Calibri" panose="020F0502020204030204" pitchFamily="34" charset="0"/>
                 <a:cs typeface="Segoe UI Light" panose="020B0502040204020203" pitchFamily="34" charset="0"/>
               </a:rPr>
-              <a:t>Microsoft Power BI</a:t>
+              <a:t>Microsoft Power </a:t>
+            </a:r>
+            <a:r>
+              <a:rPr lang="en-GB" sz="1800">
+                <a:solidFill>
+                  <a:srgbClr val="000000"/>
+                </a:solidFill>
+                <a:effectLst/>
+                <a:latin typeface="Segoe UI Light" panose="020B0502040204020203" pitchFamily="34" charset="0"/>
+                <a:ea typeface="Calibri" panose="020F0502020204030204" pitchFamily="34" charset="0"/>
+                <a:cs typeface="Segoe UI Light" panose="020B0502040204020203" pitchFamily="34" charset="0"/>
+              </a:rPr>
+              <a:t>BI Dashboard</a:t>
             </a:r>
             <a:endParaRPr lang="en-IE" sz="1200" dirty="0">
               <a:effectLst/>
@@ -3905,7 +3917,7 @@
   <we:properties>
     <we:property name="Microsoft.Office.CampaignId" value="&quot;none&quot;"/>
     <we:property name="backgroundColor" value="&quot;#FFFFFF&quot;"/>
-    <we:property name="bookmark" value="&quot;H4sIAAAAAAAAA+1YyW7bMBD9FYOXXIRCiynZuSWKeyqKIC56KXIYkWOFCS0KFJXEDfzvHVJOW7dZ0CJp3cK+WBqSs7w3mif7jknVtRpW72GJ7JAdG3O1BHs1SljEmm1bUmQVl2leQManwCcTGXPaZVqnTNOxwzvmwNboPqquB+0dkvHTecRA61Oo/d0CdIcRa9F2pgGtPuOwmZac7XEdMbxttbHgXc4dOPRur2k73VMqyZuMIoJw6hrnKNxgPcPWWHd/H7FuuAopba95ZyFgaRoHqiHH3jblKAHTKq+oNCyQF1kIvFDabbZUq9lta6keqnLVeliO5DU0AiULSVvsuk2E0uh+Ga5mW/a56a3AM1yEpcYptyI3c2GchkaOSo3QoBydgAO2JihOrSGgwiayYWkkBvuFuSktkkWyw3h9TpZONbXeQPmtxg9Dnp1WAq0nqrokGEI1SySi/IX0wXxR7RBM4bDuY9E3hprv2DtFOAy+P4LuvduDEzohzU1zQEnR59ynNjBDiV9+R0E40YUorwsNpUBrqSzGE57KKivyOME0FUXxLJkleamNVYKK/AN8zqjz6tWIurDrl0TeyDeosXt6fwGpge08gapY5AuYxPG4AglZBTvKdiBsz/DT6AysikwmcRxXeZry6VQmY8n57w/ko7q2WMO9Asxem+8BYW982zcb4Yl/Jj76D6ZPq7C8AOu2upMOGSvRHq8CPSfK3stvGv1QxY5Qsz5/pPU3zKz+1niDhUgmIpc4niZJJgRP5HjXxltpCEqlR+EVcj/fnoFn4DXLeFWQZKWx4EWcJUXMd/Ul5RHZiv7ZuftsQ2r6YVDqviMmUA55lmZZmf2ke2GZxyLnckw6HwtBr+vFBKt4L/O7MpfDY7Bv+Red/KHtH9I507uuBYGn5O0BvaNmoWieuCc1z/+J8lXt1usvZakF0N4RAAA=&quot;"/>
+    <we:property name="bookmark" value="&quot;H4sIAAAAAAAAA+1Yy27bMBD8FYOXXISCkizLzi1R3FNRBHGRS+HDilwrTGhRoKgkbuB/75Jy0rrNAy2S1i3si6UluY+Z1Y7sOyZV22hYfYQlskN2bMzVEuzVIGYRq7dtAscln8Sc83zIkccoEGmXaZwydcsO75gDW6E7V20H2jsk4+d5xEDrU6j83QJ0ixFr0LamBq2+YL+ZlpztcB0xvG20seBdzhw49G6vaTvdUyrxu5QignDqGmcoXG89w8ZYd38fsba/Ciltr3lnIWBhageqJsfeNslQAiblqIQ0wxyzPA2BF0q7zZZyNb1tLNVDVa4aD8uRvIZaoGQhaYttu4lQGN0tw9V0yz4znRV4houwVDvlVuRmJozTUMtBoRFqlIMTcMDWBMWpNQRU2EQ2LIzEYL8wN4VFskh2yNdzsrSqrvQGym81furzbLUSaD1R5SXBEKpZIhHlL6QP5otq+mAK+3Ufi74x1HzHPijCofd9Drrzbg9O6IQ0N/UBJUWfuU+tZ4YSv/yOgnCiDVHeFhpKgdYSmQ/HWSLLNB9RkyaJyPMXySzIS2WsElTkH+BzSp1XrQbUhW23JPIGvkGN3dP7C0j1bI9iKPPFaAFjzoclSEhL2FG2A2F7hp9Hp2dVpNLrTDlKkmwykfFQZtnvD+SjqrJYwb0CTN+a7x5hb3zf1Rvh4T8TH/0H06dRWFyAdVvdSYeMlWiPV4GeE2Xv5TeJfqhiR6hZz59o/Q0zq7813mAh4rEYSRxO4jgVIovlcNfGW2EISqUH4RVyP99egKfnNU2zMifJSrjIcp7GOc929SXlCdmK/tm5+2JDavphUOiuJSZQ9nkWZlma/aR7ZZnHfJTJIek8F4Je1/Mxlnwv87syl8NjsG/5V538oe0f0znTubYBgafk7RG9o2ahaJ64ZzUv/L/yIHfr9VdBPDyD3xEAAA==&quot;"/>
     <we:property name="creatorSessionId" value="&quot;5fe0a93b-4206-4b2a-a203-2c6f91d1bd0a&quot;"/>
     <we:property name="creatorTenantId" value="&quot;51a0a69c-0e4f-4b3d-b642-12e013198635&quot;"/>
     <we:property name="creatorUserId" value="&quot;10032001C948BB18&quot;"/>
@@ -3919,6 +3931,7 @@
     <we:property name="reportName" value="&quot;Scotish Council Energy Consumption&quot;"/>
     <we:property name="reportState" value="&quot;CONNECTED&quot;"/>
     <we:property name="reportUrl" value="&quot;/groups/me/reports/b810e249-fe92-405c-b8f7-abd999a77557/ReportSection?bookmarkGuid=ac67d216-85ea-445e-a026-eb4d318a5431&amp;bookmarkUsage=1&amp;ctid=51a0a69c-0e4f-4b3d-b642-12e013198635&amp;fromEntryPoint=export&quot;"/>
+    <we:property name="isFooterCollapsed" value="true"/>
   </we:properties>
   <we:bindings/>
   <we:snapshot xmlns:r="http://schemas.openxmlformats.org/officeDocument/2006/relationships" r:embed="rId1"/>

--- a/Presentation and Demo/Presentation.pptx
+++ b/Presentation and Demo/Presentation.pptx
@@ -3502,19 +3502,7 @@
                 <a:ea typeface="Calibri" panose="020F0502020204030204" pitchFamily="34" charset="0"/>
                 <a:cs typeface="Segoe UI Light" panose="020B0502040204020203" pitchFamily="34" charset="0"/>
               </a:rPr>
-              <a:t>Microsoft Power </a:t>
-            </a:r>
-            <a:r>
-              <a:rPr lang="en-GB" sz="1800">
-                <a:solidFill>
-                  <a:srgbClr val="000000"/>
-                </a:solidFill>
-                <a:effectLst/>
-                <a:latin typeface="Segoe UI Light" panose="020B0502040204020203" pitchFamily="34" charset="0"/>
-                <a:ea typeface="Calibri" panose="020F0502020204030204" pitchFamily="34" charset="0"/>
-                <a:cs typeface="Segoe UI Light" panose="020B0502040204020203" pitchFamily="34" charset="0"/>
-              </a:rPr>
-              <a:t>BI Dashboard</a:t>
+              <a:t>Microsoft Power BI Dashboard</a:t>
             </a:r>
             <a:endParaRPr lang="en-IE" sz="1200" dirty="0">
               <a:effectLst/>

--- a/Presentation and Demo/Presentation.pptx
+++ b/Presentation and Demo/Presentation.pptx
@@ -6,7 +6,12 @@
   </p:sldMasterIdLst>
   <p:sldIdLst>
     <p:sldId id="256" r:id="rId2"/>
-    <p:sldId id="258" r:id="rId3"/>
+    <p:sldId id="259" r:id="rId3"/>
+    <p:sldId id="260" r:id="rId4"/>
+    <p:sldId id="258" r:id="rId5"/>
+    <p:sldId id="261" r:id="rId6"/>
+    <p:sldId id="262" r:id="rId7"/>
+    <p:sldId id="263" r:id="rId8"/>
   </p:sldIdLst>
   <p:sldSz cx="12192000" cy="6858000"/>
   <p:notesSz cx="6858000" cy="9144000"/>
@@ -3431,6 +3436,172 @@
       </p:grpSpPr>
       <p:sp>
         <p:nvSpPr>
+          <p:cNvPr id="2" name="Title 1">
+            <a:extLst>
+              <a:ext uri="{FF2B5EF4-FFF2-40B4-BE49-F238E27FC236}">
+                <a16:creationId xmlns:a16="http://schemas.microsoft.com/office/drawing/2014/main" id="{6225E497-E841-5BE4-BE2B-EF38868160BB}"/>
+              </a:ext>
+            </a:extLst>
+          </p:cNvPr>
+          <p:cNvSpPr>
+            <a:spLocks noGrp="1"/>
+          </p:cNvSpPr>
+          <p:nvPr>
+            <p:ph type="title"/>
+          </p:nvPr>
+        </p:nvSpPr>
+        <p:spPr/>
+        <p:txBody>
+          <a:bodyPr/>
+          <a:lstStyle/>
+          <a:p>
+            <a:r>
+              <a:rPr lang="en-US" dirty="0"/>
+              <a:t>Motivation, Aims and Objectives</a:t>
+            </a:r>
+          </a:p>
+        </p:txBody>
+      </p:sp>
+      <p:sp>
+        <p:nvSpPr>
+          <p:cNvPr id="3" name="Content Placeholder 2">
+            <a:extLst>
+              <a:ext uri="{FF2B5EF4-FFF2-40B4-BE49-F238E27FC236}">
+                <a16:creationId xmlns:a16="http://schemas.microsoft.com/office/drawing/2014/main" id="{DF967441-B46D-9673-E80B-89CA0539FBDB}"/>
+              </a:ext>
+            </a:extLst>
+          </p:cNvPr>
+          <p:cNvSpPr>
+            <a:spLocks noGrp="1"/>
+          </p:cNvSpPr>
+          <p:nvPr>
+            <p:ph idx="1"/>
+          </p:nvPr>
+        </p:nvSpPr>
+        <p:spPr/>
+        <p:txBody>
+          <a:bodyPr/>
+          <a:lstStyle/>
+          <a:p>
+            <a:endParaRPr lang="en-US"/>
+          </a:p>
+        </p:txBody>
+      </p:sp>
+    </p:spTree>
+    <p:extLst>
+      <p:ext uri="{BB962C8B-B14F-4D97-AF65-F5344CB8AC3E}">
+        <p14:creationId xmlns:p14="http://schemas.microsoft.com/office/powerpoint/2010/main" val="4119176806"/>
+      </p:ext>
+    </p:extLst>
+  </p:cSld>
+  <p:clrMapOvr>
+    <a:masterClrMapping/>
+  </p:clrMapOvr>
+</p:sld>
+</file>
+
+<file path=ppt/slides/slide3.xml><?xml version="1.0" encoding="utf-8"?>
+<p:sld xmlns:a="http://schemas.openxmlformats.org/drawingml/2006/main" xmlns:r="http://schemas.openxmlformats.org/officeDocument/2006/relationships" xmlns:p="http://schemas.openxmlformats.org/presentationml/2006/main">
+  <p:cSld>
+    <p:spTree>
+      <p:nvGrpSpPr>
+        <p:cNvPr id="1" name=""/>
+        <p:cNvGrpSpPr/>
+        <p:nvPr/>
+      </p:nvGrpSpPr>
+      <p:grpSpPr>
+        <a:xfrm>
+          <a:off x="0" y="0"/>
+          <a:ext cx="0" cy="0"/>
+          <a:chOff x="0" y="0"/>
+          <a:chExt cx="0" cy="0"/>
+        </a:xfrm>
+      </p:grpSpPr>
+      <p:sp>
+        <p:nvSpPr>
+          <p:cNvPr id="2" name="Title 1">
+            <a:extLst>
+              <a:ext uri="{FF2B5EF4-FFF2-40B4-BE49-F238E27FC236}">
+                <a16:creationId xmlns:a16="http://schemas.microsoft.com/office/drawing/2014/main" id="{24EFC82B-BCAC-7FCF-4C71-86D6CDE24778}"/>
+              </a:ext>
+            </a:extLst>
+          </p:cNvPr>
+          <p:cNvSpPr>
+            <a:spLocks noGrp="1"/>
+          </p:cNvSpPr>
+          <p:nvPr>
+            <p:ph type="title"/>
+          </p:nvPr>
+        </p:nvSpPr>
+        <p:spPr/>
+        <p:txBody>
+          <a:bodyPr/>
+          <a:lstStyle/>
+          <a:p>
+            <a:r>
+              <a:rPr lang="en-US" dirty="0"/>
+              <a:t>Design / Project Plan</a:t>
+            </a:r>
+          </a:p>
+        </p:txBody>
+      </p:sp>
+      <p:sp>
+        <p:nvSpPr>
+          <p:cNvPr id="3" name="Content Placeholder 2">
+            <a:extLst>
+              <a:ext uri="{FF2B5EF4-FFF2-40B4-BE49-F238E27FC236}">
+                <a16:creationId xmlns:a16="http://schemas.microsoft.com/office/drawing/2014/main" id="{47F91E82-184A-82F2-B678-779E516136FF}"/>
+              </a:ext>
+            </a:extLst>
+          </p:cNvPr>
+          <p:cNvSpPr>
+            <a:spLocks noGrp="1"/>
+          </p:cNvSpPr>
+          <p:nvPr>
+            <p:ph idx="1"/>
+          </p:nvPr>
+        </p:nvSpPr>
+        <p:spPr/>
+        <p:txBody>
+          <a:bodyPr/>
+          <a:lstStyle/>
+          <a:p>
+            <a:endParaRPr lang="en-US"/>
+          </a:p>
+        </p:txBody>
+      </p:sp>
+    </p:spTree>
+    <p:extLst>
+      <p:ext uri="{BB962C8B-B14F-4D97-AF65-F5344CB8AC3E}">
+        <p14:creationId xmlns:p14="http://schemas.microsoft.com/office/powerpoint/2010/main" val="3337139853"/>
+      </p:ext>
+    </p:extLst>
+  </p:cSld>
+  <p:clrMapOvr>
+    <a:masterClrMapping/>
+  </p:clrMapOvr>
+</p:sld>
+</file>
+
+<file path=ppt/slides/slide4.xml><?xml version="1.0" encoding="utf-8"?>
+<p:sld xmlns:a="http://schemas.openxmlformats.org/drawingml/2006/main" xmlns:r="http://schemas.openxmlformats.org/officeDocument/2006/relationships" xmlns:p="http://schemas.openxmlformats.org/presentationml/2006/main">
+  <p:cSld>
+    <p:spTree>
+      <p:nvGrpSpPr>
+        <p:cNvPr id="1" name=""/>
+        <p:cNvGrpSpPr/>
+        <p:nvPr/>
+      </p:nvGrpSpPr>
+      <p:grpSpPr>
+        <a:xfrm>
+          <a:off x="0" y="0"/>
+          <a:ext cx="0" cy="0"/>
+          <a:chOff x="0" y="0"/>
+          <a:chExt cx="0" cy="0"/>
+        </a:xfrm>
+      </p:grpSpPr>
+      <p:sp>
+        <p:nvSpPr>
           <p:cNvPr id="6" name="Add-in_Banner">
             <a:extLst>
               <a:ext uri="{FF2B5EF4-FFF2-40B4-BE49-F238E27FC236}">
@@ -3594,6 +3765,255 @@
     <p:extLst>
       <p:ext uri="{BB962C8B-B14F-4D97-AF65-F5344CB8AC3E}">
         <p14:creationId xmlns:p14="http://schemas.microsoft.com/office/powerpoint/2010/main" val="2828128852"/>
+      </p:ext>
+    </p:extLst>
+  </p:cSld>
+  <p:clrMapOvr>
+    <a:masterClrMapping/>
+  </p:clrMapOvr>
+</p:sld>
+</file>
+
+<file path=ppt/slides/slide5.xml><?xml version="1.0" encoding="utf-8"?>
+<p:sld xmlns:a="http://schemas.openxmlformats.org/drawingml/2006/main" xmlns:r="http://schemas.openxmlformats.org/officeDocument/2006/relationships" xmlns:p="http://schemas.openxmlformats.org/presentationml/2006/main">
+  <p:cSld>
+    <p:spTree>
+      <p:nvGrpSpPr>
+        <p:cNvPr id="1" name=""/>
+        <p:cNvGrpSpPr/>
+        <p:nvPr/>
+      </p:nvGrpSpPr>
+      <p:grpSpPr>
+        <a:xfrm>
+          <a:off x="0" y="0"/>
+          <a:ext cx="0" cy="0"/>
+          <a:chOff x="0" y="0"/>
+          <a:chExt cx="0" cy="0"/>
+        </a:xfrm>
+      </p:grpSpPr>
+      <p:sp>
+        <p:nvSpPr>
+          <p:cNvPr id="2" name="Title 1">
+            <a:extLst>
+              <a:ext uri="{FF2B5EF4-FFF2-40B4-BE49-F238E27FC236}">
+                <a16:creationId xmlns:a16="http://schemas.microsoft.com/office/drawing/2014/main" id="{5D68F449-9402-3F14-FC24-02DBFE1BF553}"/>
+              </a:ext>
+            </a:extLst>
+          </p:cNvPr>
+          <p:cNvSpPr>
+            <a:spLocks noGrp="1"/>
+          </p:cNvSpPr>
+          <p:nvPr>
+            <p:ph type="title"/>
+          </p:nvPr>
+        </p:nvSpPr>
+        <p:spPr/>
+        <p:txBody>
+          <a:bodyPr/>
+          <a:lstStyle/>
+          <a:p>
+            <a:r>
+              <a:rPr lang="en-US" dirty="0"/>
+              <a:t>EDA </a:t>
+            </a:r>
+          </a:p>
+        </p:txBody>
+      </p:sp>
+      <p:sp>
+        <p:nvSpPr>
+          <p:cNvPr id="3" name="Content Placeholder 2">
+            <a:extLst>
+              <a:ext uri="{FF2B5EF4-FFF2-40B4-BE49-F238E27FC236}">
+                <a16:creationId xmlns:a16="http://schemas.microsoft.com/office/drawing/2014/main" id="{E3C23A1E-6B6B-3B7F-7FF6-D13781ADB084}"/>
+              </a:ext>
+            </a:extLst>
+          </p:cNvPr>
+          <p:cNvSpPr>
+            <a:spLocks noGrp="1"/>
+          </p:cNvSpPr>
+          <p:nvPr>
+            <p:ph idx="1"/>
+          </p:nvPr>
+        </p:nvSpPr>
+        <p:spPr/>
+        <p:txBody>
+          <a:bodyPr/>
+          <a:lstStyle/>
+          <a:p>
+            <a:endParaRPr lang="en-US"/>
+          </a:p>
+        </p:txBody>
+      </p:sp>
+    </p:spTree>
+    <p:extLst>
+      <p:ext uri="{BB962C8B-B14F-4D97-AF65-F5344CB8AC3E}">
+        <p14:creationId xmlns:p14="http://schemas.microsoft.com/office/powerpoint/2010/main" val="2599985484"/>
+      </p:ext>
+    </p:extLst>
+  </p:cSld>
+  <p:clrMapOvr>
+    <a:masterClrMapping/>
+  </p:clrMapOvr>
+</p:sld>
+</file>
+
+<file path=ppt/slides/slide6.xml><?xml version="1.0" encoding="utf-8"?>
+<p:sld xmlns:a="http://schemas.openxmlformats.org/drawingml/2006/main" xmlns:r="http://schemas.openxmlformats.org/officeDocument/2006/relationships" xmlns:p="http://schemas.openxmlformats.org/presentationml/2006/main">
+  <p:cSld>
+    <p:spTree>
+      <p:nvGrpSpPr>
+        <p:cNvPr id="1" name=""/>
+        <p:cNvGrpSpPr/>
+        <p:nvPr/>
+      </p:nvGrpSpPr>
+      <p:grpSpPr>
+        <a:xfrm>
+          <a:off x="0" y="0"/>
+          <a:ext cx="0" cy="0"/>
+          <a:chOff x="0" y="0"/>
+          <a:chExt cx="0" cy="0"/>
+        </a:xfrm>
+      </p:grpSpPr>
+      <p:sp>
+        <p:nvSpPr>
+          <p:cNvPr id="2" name="Title 1">
+            <a:extLst>
+              <a:ext uri="{FF2B5EF4-FFF2-40B4-BE49-F238E27FC236}">
+                <a16:creationId xmlns:a16="http://schemas.microsoft.com/office/drawing/2014/main" id="{B2ECC40D-BB57-A8A7-8AD8-5A79E9D6E718}"/>
+              </a:ext>
+            </a:extLst>
+          </p:cNvPr>
+          <p:cNvSpPr>
+            <a:spLocks noGrp="1"/>
+          </p:cNvSpPr>
+          <p:nvPr>
+            <p:ph type="title"/>
+          </p:nvPr>
+        </p:nvSpPr>
+        <p:spPr/>
+        <p:txBody>
+          <a:bodyPr/>
+          <a:lstStyle/>
+          <a:p>
+            <a:r>
+              <a:rPr lang="en-US" dirty="0"/>
+              <a:t>Machine Learning and Deployment</a:t>
+            </a:r>
+          </a:p>
+        </p:txBody>
+      </p:sp>
+      <p:sp>
+        <p:nvSpPr>
+          <p:cNvPr id="3" name="Content Placeholder 2">
+            <a:extLst>
+              <a:ext uri="{FF2B5EF4-FFF2-40B4-BE49-F238E27FC236}">
+                <a16:creationId xmlns:a16="http://schemas.microsoft.com/office/drawing/2014/main" id="{15FC6F8D-6B9F-EA72-D899-2B425E695A58}"/>
+              </a:ext>
+            </a:extLst>
+          </p:cNvPr>
+          <p:cNvSpPr>
+            <a:spLocks noGrp="1"/>
+          </p:cNvSpPr>
+          <p:nvPr>
+            <p:ph idx="1"/>
+          </p:nvPr>
+        </p:nvSpPr>
+        <p:spPr/>
+        <p:txBody>
+          <a:bodyPr/>
+          <a:lstStyle/>
+          <a:p>
+            <a:endParaRPr lang="en-US"/>
+          </a:p>
+        </p:txBody>
+      </p:sp>
+    </p:spTree>
+    <p:extLst>
+      <p:ext uri="{BB962C8B-B14F-4D97-AF65-F5344CB8AC3E}">
+        <p14:creationId xmlns:p14="http://schemas.microsoft.com/office/powerpoint/2010/main" val="1554854761"/>
+      </p:ext>
+    </p:extLst>
+  </p:cSld>
+  <p:clrMapOvr>
+    <a:masterClrMapping/>
+  </p:clrMapOvr>
+</p:sld>
+</file>
+
+<file path=ppt/slides/slide7.xml><?xml version="1.0" encoding="utf-8"?>
+<p:sld xmlns:a="http://schemas.openxmlformats.org/drawingml/2006/main" xmlns:r="http://schemas.openxmlformats.org/officeDocument/2006/relationships" xmlns:p="http://schemas.openxmlformats.org/presentationml/2006/main">
+  <p:cSld>
+    <p:spTree>
+      <p:nvGrpSpPr>
+        <p:cNvPr id="1" name=""/>
+        <p:cNvGrpSpPr/>
+        <p:nvPr/>
+      </p:nvGrpSpPr>
+      <p:grpSpPr>
+        <a:xfrm>
+          <a:off x="0" y="0"/>
+          <a:ext cx="0" cy="0"/>
+          <a:chOff x="0" y="0"/>
+          <a:chExt cx="0" cy="0"/>
+        </a:xfrm>
+      </p:grpSpPr>
+      <p:sp>
+        <p:nvSpPr>
+          <p:cNvPr id="2" name="Title 1">
+            <a:extLst>
+              <a:ext uri="{FF2B5EF4-FFF2-40B4-BE49-F238E27FC236}">
+                <a16:creationId xmlns:a16="http://schemas.microsoft.com/office/drawing/2014/main" id="{A4EADA48-BED0-8799-E5FC-93C044CE0AD2}"/>
+              </a:ext>
+            </a:extLst>
+          </p:cNvPr>
+          <p:cNvSpPr>
+            <a:spLocks noGrp="1"/>
+          </p:cNvSpPr>
+          <p:nvPr>
+            <p:ph type="title"/>
+          </p:nvPr>
+        </p:nvSpPr>
+        <p:spPr/>
+        <p:txBody>
+          <a:bodyPr/>
+          <a:lstStyle/>
+          <a:p>
+            <a:r>
+              <a:rPr lang="en-US" dirty="0"/>
+              <a:t>Conclusion and future work</a:t>
+            </a:r>
+          </a:p>
+        </p:txBody>
+      </p:sp>
+      <p:sp>
+        <p:nvSpPr>
+          <p:cNvPr id="3" name="Content Placeholder 2">
+            <a:extLst>
+              <a:ext uri="{FF2B5EF4-FFF2-40B4-BE49-F238E27FC236}">
+                <a16:creationId xmlns:a16="http://schemas.microsoft.com/office/drawing/2014/main" id="{DBF308B5-0E55-3860-65DE-1A7F71964B4F}"/>
+              </a:ext>
+            </a:extLst>
+          </p:cNvPr>
+          <p:cNvSpPr>
+            <a:spLocks noGrp="1"/>
+          </p:cNvSpPr>
+          <p:nvPr>
+            <p:ph idx="1"/>
+          </p:nvPr>
+        </p:nvSpPr>
+        <p:spPr/>
+        <p:txBody>
+          <a:bodyPr/>
+          <a:lstStyle/>
+          <a:p>
+            <a:endParaRPr lang="en-US"/>
+          </a:p>
+        </p:txBody>
+      </p:sp>
+    </p:spTree>
+    <p:extLst>
+      <p:ext uri="{BB962C8B-B14F-4D97-AF65-F5344CB8AC3E}">
+        <p14:creationId xmlns:p14="http://schemas.microsoft.com/office/powerpoint/2010/main" val="1765953710"/>
       </p:ext>
     </p:extLst>
   </p:cSld>

--- a/Presentation and Demo/Presentation.pptx
+++ b/Presentation and Demo/Presentation.pptx
@@ -8,7 +8,7 @@
     <p:sldId id="256" r:id="rId2"/>
     <p:sldId id="259" r:id="rId3"/>
     <p:sldId id="260" r:id="rId4"/>
-    <p:sldId id="258" r:id="rId5"/>
+    <p:sldId id="264" r:id="rId5"/>
     <p:sldId id="261" r:id="rId6"/>
     <p:sldId id="262" r:id="rId7"/>
     <p:sldId id="263" r:id="rId8"/>
@@ -110,6 +110,11 @@
       </a:defRPr>
     </a:lvl9pPr>
   </p:defaultTextStyle>
+  <p:extLst>
+    <p:ext uri="{EFAFB233-063F-42B5-8137-9DF3F51BA10A}">
+      <p15:sldGuideLst xmlns:p15="http://schemas.microsoft.com/office/powerpoint/2012/main"/>
+    </p:ext>
+  </p:extLst>
 </p:presentation>
 </file>
 
@@ -262,7 +267,7 @@
           <a:p>
             <a:fld id="{33B817B4-FC2E-FA4A-B6E5-79FB12DCA862}" type="datetimeFigureOut">
               <a:rPr lang="en-US" smtClean="0"/>
-              <a:t>4/18/23</a:t>
+              <a:t>4/19/23</a:t>
             </a:fld>
             <a:endParaRPr lang="en-US"/>
           </a:p>
@@ -462,7 +467,7 @@
           <a:p>
             <a:fld id="{33B817B4-FC2E-FA4A-B6E5-79FB12DCA862}" type="datetimeFigureOut">
               <a:rPr lang="en-US" smtClean="0"/>
-              <a:t>4/18/23</a:t>
+              <a:t>4/19/23</a:t>
             </a:fld>
             <a:endParaRPr lang="en-US"/>
           </a:p>
@@ -672,7 +677,7 @@
           <a:p>
             <a:fld id="{33B817B4-FC2E-FA4A-B6E5-79FB12DCA862}" type="datetimeFigureOut">
               <a:rPr lang="en-US" smtClean="0"/>
-              <a:t>4/18/23</a:t>
+              <a:t>4/19/23</a:t>
             </a:fld>
             <a:endParaRPr lang="en-US"/>
           </a:p>
@@ -872,7 +877,7 @@
           <a:p>
             <a:fld id="{33B817B4-FC2E-FA4A-B6E5-79FB12DCA862}" type="datetimeFigureOut">
               <a:rPr lang="en-US" smtClean="0"/>
-              <a:t>4/18/23</a:t>
+              <a:t>4/19/23</a:t>
             </a:fld>
             <a:endParaRPr lang="en-US"/>
           </a:p>
@@ -1148,7 +1153,7 @@
           <a:p>
             <a:fld id="{33B817B4-FC2E-FA4A-B6E5-79FB12DCA862}" type="datetimeFigureOut">
               <a:rPr lang="en-US" smtClean="0"/>
-              <a:t>4/18/23</a:t>
+              <a:t>4/19/23</a:t>
             </a:fld>
             <a:endParaRPr lang="en-US"/>
           </a:p>
@@ -1416,7 +1421,7 @@
           <a:p>
             <a:fld id="{33B817B4-FC2E-FA4A-B6E5-79FB12DCA862}" type="datetimeFigureOut">
               <a:rPr lang="en-US" smtClean="0"/>
-              <a:t>4/18/23</a:t>
+              <a:t>4/19/23</a:t>
             </a:fld>
             <a:endParaRPr lang="en-US"/>
           </a:p>
@@ -1831,7 +1836,7 @@
           <a:p>
             <a:fld id="{33B817B4-FC2E-FA4A-B6E5-79FB12DCA862}" type="datetimeFigureOut">
               <a:rPr lang="en-US" smtClean="0"/>
-              <a:t>4/18/23</a:t>
+              <a:t>4/19/23</a:t>
             </a:fld>
             <a:endParaRPr lang="en-US"/>
           </a:p>
@@ -1973,7 +1978,7 @@
           <a:p>
             <a:fld id="{33B817B4-FC2E-FA4A-B6E5-79FB12DCA862}" type="datetimeFigureOut">
               <a:rPr lang="en-US" smtClean="0"/>
-              <a:t>4/18/23</a:t>
+              <a:t>4/19/23</a:t>
             </a:fld>
             <a:endParaRPr lang="en-US"/>
           </a:p>
@@ -2086,7 +2091,7 @@
           <a:p>
             <a:fld id="{33B817B4-FC2E-FA4A-B6E5-79FB12DCA862}" type="datetimeFigureOut">
               <a:rPr lang="en-US" smtClean="0"/>
-              <a:t>4/18/23</a:t>
+              <a:t>4/19/23</a:t>
             </a:fld>
             <a:endParaRPr lang="en-US"/>
           </a:p>
@@ -2399,7 +2404,7 @@
           <a:p>
             <a:fld id="{33B817B4-FC2E-FA4A-B6E5-79FB12DCA862}" type="datetimeFigureOut">
               <a:rPr lang="en-US" smtClean="0"/>
-              <a:t>4/18/23</a:t>
+              <a:t>4/19/23</a:t>
             </a:fld>
             <a:endParaRPr lang="en-US"/>
           </a:p>
@@ -2688,7 +2693,7 @@
           <a:p>
             <a:fld id="{33B817B4-FC2E-FA4A-B6E5-79FB12DCA862}" type="datetimeFigureOut">
               <a:rPr lang="en-US" smtClean="0"/>
-              <a:t>4/18/23</a:t>
+              <a:t>4/19/23</a:t>
             </a:fld>
             <a:endParaRPr lang="en-US"/>
           </a:p>
@@ -2931,7 +2936,7 @@
           <a:p>
             <a:fld id="{33B817B4-FC2E-FA4A-B6E5-79FB12DCA862}" type="datetimeFigureOut">
               <a:rPr lang="en-US" smtClean="0"/>
-              <a:t>4/18/23</a:t>
+              <a:t>4/19/23</a:t>
             </a:fld>
             <a:endParaRPr lang="en-US"/>
           </a:p>
@@ -3483,7 +3488,7 @@
           <a:bodyPr/>
           <a:lstStyle/>
           <a:p>
-            <a:endParaRPr lang="en-US"/>
+            <a:endParaRPr lang="en-US" dirty="0"/>
           </a:p>
         </p:txBody>
       </p:sp>
@@ -3618,8 +3623,8 @@
         </p:nvSpPr>
         <p:spPr>
           <a:xfrm>
-            <a:off x="0" y="365245"/>
-            <a:ext cx="12192000" cy="612815"/>
+            <a:off x="0" y="351395"/>
+            <a:ext cx="12192000" cy="640515"/>
           </a:xfrm>
           <a:prstGeom prst="rect">
             <a:avLst/>
@@ -3673,7 +3678,7 @@
                 <a:ea typeface="Calibri" panose="020F0502020204030204" pitchFamily="34" charset="0"/>
                 <a:cs typeface="Segoe UI Light" panose="020B0502040204020203" pitchFamily="34" charset="0"/>
               </a:rPr>
-              <a:t>Microsoft Power BI Dashboard</a:t>
+              <a:t>Microsoft Power BI</a:t>
             </a:r>
             <a:endParaRPr lang="en-IE" sz="1200" dirty="0">
               <a:effectLst/>
@@ -3764,7 +3769,7 @@
     </p:spTree>
     <p:extLst>
       <p:ext uri="{BB962C8B-B14F-4D97-AF65-F5344CB8AC3E}">
-        <p14:creationId xmlns:p14="http://schemas.microsoft.com/office/powerpoint/2010/main" val="2828128852"/>
+        <p14:creationId xmlns:p14="http://schemas.microsoft.com/office/powerpoint/2010/main" val="3211859542"/>
       </p:ext>
     </p:extLst>
   </p:cSld>
@@ -4319,27 +4324,26 @@
 </file>
 
 <file path=ppt/webextensions/webextension1.xml><?xml version="1.0" encoding="utf-8"?>
-<we:webextension xmlns:we="http://schemas.microsoft.com/office/webextensions/webextension/2010/11" id="{05e2ecbf-3ef9-4d4d-af09-dbe972c633f2}">
-  <we:reference id="WA200003233" version="2.0.0.3" store="en-US" storeType="OMEX"/>
+<we:webextension xmlns:we="http://schemas.microsoft.com/office/webextensions/webextension/2010/11" id="{b8b938d4-43a6-4617-987d-fd06f9441754}">
+  <we:reference id="WA200003233" version="2.0.0.3" store="en-GB" storeType="OMEX"/>
   <we:alternateReferences/>
   <we:properties>
     <we:property name="Microsoft.Office.CampaignId" value="&quot;none&quot;"/>
+    <we:property name="reportUrl" value="&quot;/groups/me/reports/e22d16fb-41ed-478e-8c48-b57bcba176a2/ReportSection?bookmarkGuid=9a7b3254-508d-484b-b7d1-c04087fd9f02&amp;bookmarkUsage=1&amp;ctid=51a0a69c-0e4f-4b3d-b642-12e013198635&amp;fromEntryPoint=export&quot;"/>
+    <we:property name="reportState" value="&quot;CONNECTED&quot;"/>
+    <we:property name="reportEmbeddedTime" value="&quot;2023-04-23T12:14:58.301Z&quot;"/>
+    <we:property name="creatorSessionId" value="&quot;fb1adb6f-870e-4715-9881-4e9ae9317f52&quot;"/>
+    <we:property name="creatorUserId" value="&quot;10032001C948BB18&quot;"/>
+    <we:property name="creatorTenantId" value="&quot;51a0a69c-0e4f-4b3d-b642-12e013198635&quot;"/>
+    <we:property name="reportName" value="&quot;Power BI Dashboard&quot;"/>
+    <we:property name="isFiltersActionButtonVisible" value="true"/>
+    <we:property name="initialStateBookmark" value="&quot;H4sIAAAAAAAAA+1YS1PbMBD+KxlfuGQ68jvhBia9UB4DHS4dprOWNkGgWB5ZhqRM/ntXcmibFsi0A23KJJfYK2kf37feXfs+ELKpFcyPYYrBbrCv9c0UzE0vDPpBtZSdnBwe7Z0dfj7eOxqRWNdW6qoJdu8DC2aC9kI2LSingYSfLvsBKHUKE3c3BtVgP6jRNLoCJb9gt5mWrGlx0Q9wVittwKk8t2DRqb2l7XRPtsN3MVkEbuUtniO3nfQMa23sw30/aLor79LqmlPmDRa6siArUuxkwxQFYFRmJcQp5pjmsTc8lsout5Tz0aw2FA9FOa8dDnviFiqOIvBOG2yapYVCq3bqr0Yr8nPdGo5nOPZLlZV2TmrOubYKKtErFEKFoncAFoIFQXFqNAHlN5EMCy3Qy6/0XWGQJCLYZYtLkjSymqgllN9j/Nj52SjJ0TiiymuCwUczRSLKXQhnzAVVd8YkduvOFv2jj/k++CAJh073BajWqd05oBNC31U75BT9Lp1rHTPk+PUPFPgTjbfyutCQC7QWiTwZpJEo4zxjIUYRz/O1ZBakZaKN5BTkX+BzRJk3mfcoC5t2SuT1XIJqs6X3N5Dq2M5CKPNxNoYBY0kJAuISNpRtT9iW4efR6VjlsQgZY2UWRelwKMJEpOmfF+S9ycTgBB46wOi1+e4QdsL3bbVsPOxX4vtvoPrUEosrMHYlO+mQNgLN/tzTcyDNQ/uN+j9FsSHULC6fSP0lM/N/Vd5gzMMBzwQmwzCMOU9DkWxaeSs0QSlVz8+M2/q2Bp6O1zhOy5xaVsR4mrM4zFm6qUPKE22r/9/W3bUJqejFoFBtQ0yg6Pws9LTU20r3wm0e8ywVCfV5xjmN6/kAS7Zt85tSl/1jsE35F678EIosGub0XprxaBgzNkx8J3uWCoszW+rZKhFO2wBElMY8j8IyBBYlLEmjN/cErc1UoavWvo1U9aPK46OQbm1TA8dT0vrISERUklWH2LNjkf8EF3gjhKEs1bo5yn2Y+zZBLRZfAR1dlTgjFAAA&quot;"/>
+    <we:property name="bookmark" value="&quot;H4sIAAAAAAAAA+1YS2/bMAz+K4EvvQSD5GfcW+tmp2EomqGXIQdaYlK3imXIcpusyH8fJafbsrUNNrRbViSX2JTEx/fRJO37QFZto2D1ERYYHAenWt8swNwMeDAM6m2ZjPkojHkWpblgPIqkFDnt0o2tdN0Gx/eBBTNHe1m1HSinkISfp8MAlDqHububgWpxGDRoWl2Dqr5gv5mWrOlwPQxw2ShtwKmcWLDo1N7SdronV/i7iCyCsNUtTlDYXnqBjTb24X4YtP2Vd2l7zSnzBgtdW6hqUuxkeYISMCzTEqIEM0yyyBueVcputpSr8bIxFA9FuWocLCfyFmqBMvBOG2zbjYVCq27hr8Zb8onujMALnPml2lZ2RWomQlsFtRwUCqFGOTgDC8GaoDg3moDym0iGhZbo5Vf6rjBIEhkcs/WUJG1Vz9UGyu8xfur9bFUl0DiiymuCwUezQCLKXUhnzAXV9MYq7NedLfpHH/N98KEiHHrdl6A6p/bojE5IfVcfkVP0mzrXembI8esfKPAnWm/ldaEhF2gtlFk8SkJZRlnKOIahyLKdZBakZa5NJSjIv8DnmDJvvhpQFrbdgsgbuATV5kDvbyDVs51yKLNZOoMRY3EJEqIS9pRtT9iB4efR6VkVkeSMsTINwyTPJY9lkvx5QT6Zzw3O4aEDjF+b7x5hJ3zf1ZvGw34lfvgGqk9TYXEFxm5lJx3SRqI5XXl6zirz0H7D4U9R7Ak16+kTqb9hZvWvyhvMBB+JVGKccx4JkXAZ71t5KzRBWamBHyEP9W0HPD2vUZSUGbWskIkkYxHPWLKvQ8oTbWv439bdnQmp6MWgUF1LTKDs/Sz0otSHSvfCbR6zNJEx9XkmBI3r2QhLdmjz+1KX/WNwSPkXrvzAZRrmGb2XpiLMI8by2HeyZ6mwuLSlXm4T4bSNQIZJJLKQlxxYGLM4Cd/cE7QzU6WuO/s2UtWPKo+PQrqzbQMCz0nrIyMRUUlWHWLPjkX+E9y3iWi9/goIaToRAhQAAA==&quot;"/>
+    <we:property name="embedUrl" value="&quot;/reportEmbed?reportId=e22d16fb-41ed-478e-8c48-b57bcba176a2&amp;config=eyJjbHVzdGVyVXJsIjoiaHR0cHM6Ly9XQUJJLU5PUlRILUVVUk9QRS1yZWRpcmVjdC5hbmFseXNpcy53aW5kb3dzLm5ldCIsImVtYmVkRmVhdHVyZXMiOnsibW9kZXJuRW1iZWQiOnRydWUsInVzYWdlTWV0cmljc1ZOZXh0Ijp0cnVlfX0%3D&amp;disableSensitivityBanner=true&quot;"/>
+    <we:property name="datasetId" value="&quot;611abc89-88bd-4568-86c8-e06453154561&quot;"/>
+    <we:property name="pageName" value="&quot;ReportSection&quot;"/>
+    <we:property name="pageDisplayName" value="&quot;Dasboard&quot;"/>
     <we:property name="backgroundColor" value="&quot;#FFFFFF&quot;"/>
-    <we:property name="bookmark" value="&quot;H4sIAAAAAAAAA+1Yy27bMBD8FYOXXISCkizLzi1R3FNRBHGRS+HDilwrTGhRoKgkbuB/75Jy0rrNAy2S1i3si6UluY+Z1Y7sOyZV22hYfYQlskN2bMzVEuzVIGYRq7dtAscln8Sc83zIkccoEGmXaZwydcsO75gDW6E7V20H2jsk4+d5xEDrU6j83QJ0ixFr0LamBq2+YL+ZlpztcB0xvG20seBdzhw49G6vaTvdUyrxu5QignDqGmcoXG89w8ZYd38fsba/Ciltr3lnIWBhageqJsfeNslQAiblqIQ0wxyzPA2BF0q7zZZyNb1tLNVDVa4aD8uRvIZaoGQhaYttu4lQGN0tw9V0yz4znRV4houwVDvlVuRmJozTUMtBoRFqlIMTcMDWBMWpNQRU2EQ2LIzEYL8wN4VFskh2yNdzsrSqrvQGym81furzbLUSaD1R5SXBEKpZIhHlL6QP5otq+mAK+3Ufi74x1HzHPijCofd9Drrzbg9O6IQ0N/UBJUWfuU+tZ4YSv/yOgnCiDVHeFhpKgdYSmQ/HWSLLNB9RkyaJyPMXySzIS2WsElTkH+BzSp1XrQbUhW23JPIGvkGN3dP7C0j1bI9iKPPFaAFjzoclSEhL2FG2A2F7hp9Hp2dVpNLrTDlKkmwykfFQZtnvD+SjqrJYwb0CTN+a7x5hb3zf1Rvh4T8TH/0H06dRWFyAdVvdSYeMlWiPV4GeE2Xv5TeJfqhiR6hZz59o/Q0zq7813mAh4rEYSRxO4jgVIovlcNfGW2EISqUH4RVyP99egKfnNU2zMifJSrjIcp7GOc929SXlCdmK/tm5+2JDavphUOiuJSZQ9nkWZlma/aR7ZZnHfJTJIek8F4Je1/Mxlnwv87syl8NjsG/5V538oe0f0znTubYBgafk7RG9o2ahaJ64ZzUv/L/yIHfr9VdBPDyD3xEAAA==&quot;"/>
-    <we:property name="creatorSessionId" value="&quot;5fe0a93b-4206-4b2a-a203-2c6f91d1bd0a&quot;"/>
-    <we:property name="creatorTenantId" value="&quot;51a0a69c-0e4f-4b3d-b642-12e013198635&quot;"/>
-    <we:property name="creatorUserId" value="&quot;10032001C948BB18&quot;"/>
-    <we:property name="datasetId" value="&quot;9f0bcb28-b944-457b-b6af-d87129d0229b&quot;"/>
-    <we:property name="embedUrl" value="&quot;/reportEmbed?reportId=b810e249-fe92-405c-b8f7-abd999a77557&amp;config=eyJjbHVzdGVyVXJsIjoiaHR0cHM6Ly9XQUJJLU5PUlRILUVVUk9QRS1yZWRpcmVjdC5hbmFseXNpcy53aW5kb3dzLm5ldCIsImVtYmVkRmVhdHVyZXMiOnsibW9kZXJuRW1iZWQiOnRydWUsInVzYWdlTWV0cmljc1ZOZXh0Ijp0cnVlfX0%3D&amp;disableSensitivityBanner=true&quot;"/>
-    <we:property name="initialStateBookmark" value="&quot;H4sIAAAAAAAAA+1YW0/bMBT+K5VfeImmXJqm5a2EIk1cRSf2MKHJsU+DwY0jxwE61P++Yycd6yh0mmArU19a++T43L4v57h9IFxUpaSzEzoFskv2lLqZUn3TCYhHilZ2enp4PDw//HoyPB6hWJVGqKIiuw/EUJ2DuRBVTaW1gMIvlx6hUp7R3O4mVFbgkRJ0pQoqxTdolPGR0TXMPQL3pVSaWpNjQw1Ys7eojnv0HXyI0CNlRtzCGJhppOdQKm0We49UzcqFtPzMGnMOU1UYKgo0bGWDGDiFMOtlNIohgTiJnOOJkKZVyWaj+1JjPpjlrLR1GPJbWjDgxAWtoapaD6mS9dStRkvysao1g3OYuEeFEWaGZsZMGUkL3kkl0AJ4Z58aSuZYijOtsFBOCWWQKg5OfqXuUg0o4WTXn1+ipBJFLttSPub4qYmzkoKBtkBl11gGl80UECi7yAFrYA9hXmXjT0D1mPvy6mIBROiRA62m7lhLlQo9rEnKI01IGLRHPl+BBmcAseBiAc/HXwpXtSq/UdJm40J5vnzo+YLK2lETDR8J0+T/0IhROfT9+MhqXs7xYz53Z7iN/2mRptYofoPjxkpzO/t4gqu7YofM543FBYMxwuufqPojrremkE3KIyFPuv045FmU9PwAwpAlyVrSp2glV1owTPIv8H6E7MxnHWRIVU+R5B37Iiv96q/B+4f3+Uo1aPcCmiWT3oT2fb+bUU6jjG4o2g6wLcIvV6dBlUU88H0/64VhPBjwoMvj+M8H1zDPNeR00YpHb413U2ErPKiLdkD7T4H3/oPuUwpIr6g2S+zEQ0pz0HszB8++0ItrCs7X0SZCY0fhSuq3yMz+VXujExb0WY9DdxAEEWNxwLub1t5ShaUUsuMuTNv+tqY8Da5RFGcJjqzQZ3HiR0Hix5t6SXlmbHnvtu+uJaTEH1CprCtEAngTZ6qmmdp2ulce85D0Yt7FOe8zhtf1pA+Zvx3zm9KX3Wuwpfyrdn5H+1VzTtWmKimDM7S2Yt4hWdCbBe7FmWf/bCLOByIpMrluRi702+C+A3Ecd/4nEwAA&quot;"/>
-    <we:property name="isFiltersActionButtonVisible" value="true"/>
-    <we:property name="pageDisplayName" value="&quot;Dasboard&quot;"/>
-    <we:property name="pageName" value="&quot;ReportSection&quot;"/>
-    <we:property name="reportEmbeddedTime" value="&quot;2023-04-18T16:10:23.571Z&quot;"/>
-    <we:property name="reportName" value="&quot;Scotish Council Energy Consumption&quot;"/>
-    <we:property name="reportState" value="&quot;CONNECTED&quot;"/>
-    <we:property name="reportUrl" value="&quot;/groups/me/reports/b810e249-fe92-405c-b8f7-abd999a77557/ReportSection?bookmarkGuid=ac67d216-85ea-445e-a026-eb4d318a5431&amp;bookmarkUsage=1&amp;ctid=51a0a69c-0e4f-4b3d-b642-12e013198635&amp;fromEntryPoint=export&quot;"/>
-    <we:property name="isFooterCollapsed" value="true"/>
   </we:properties>
   <we:bindings/>
   <we:snapshot xmlns:r="http://schemas.openxmlformats.org/officeDocument/2006/relationships" r:embed="rId1"/>
